--- a/experiments.pptx
+++ b/experiments.pptx
@@ -14,6 +14,8 @@
     <p:sldId id="263" r:id="rId8"/>
     <p:sldId id="262" r:id="rId9"/>
     <p:sldId id="264" r:id="rId10"/>
+    <p:sldId id="265" r:id="rId11"/>
+    <p:sldId id="266" r:id="rId12"/>
   </p:sldIdLst>
   <p:sldSz cx="12192000" cy="6858000"/>
   <p:notesSz cx="6858000" cy="9144000"/>
@@ -112,6 +114,11 @@
       </a:defRPr>
     </a:lvl9pPr>
   </p:defaultTextStyle>
+  <p:extLst>
+    <p:ext uri="{EFAFB233-063F-42B5-8137-9DF3F51BA10A}">
+      <p15:sldGuideLst xmlns:p15="http://schemas.microsoft.com/office/powerpoint/2012/main"/>
+    </p:ext>
+  </p:extLst>
 </p:presentation>
 </file>
 
@@ -3398,6 +3405,172 @@
 </p:sld>
 </file>
 
+<file path=ppt/slides/slide10.xml><?xml version="1.0" encoding="utf-8"?>
+<p:sld xmlns:a="http://schemas.openxmlformats.org/drawingml/2006/main" xmlns:r="http://schemas.openxmlformats.org/officeDocument/2006/relationships" xmlns:p="http://schemas.openxmlformats.org/presentationml/2006/main">
+  <p:cSld>
+    <p:spTree>
+      <p:nvGrpSpPr>
+        <p:cNvPr id="1" name=""/>
+        <p:cNvGrpSpPr/>
+        <p:nvPr/>
+      </p:nvGrpSpPr>
+      <p:grpSpPr>
+        <a:xfrm>
+          <a:off x="0" y="0"/>
+          <a:ext cx="0" cy="0"/>
+          <a:chOff x="0" y="0"/>
+          <a:chExt cx="0" cy="0"/>
+        </a:xfrm>
+      </p:grpSpPr>
+      <p:sp>
+        <p:nvSpPr>
+          <p:cNvPr id="2" name="Title 1">
+            <a:extLst>
+              <a:ext uri="{FF2B5EF4-FFF2-40B4-BE49-F238E27FC236}">
+                <a16:creationId xmlns:a16="http://schemas.microsoft.com/office/drawing/2014/main" id="{3A257B07-071B-E148-A4DB-9FDA0E47E5A8}"/>
+              </a:ext>
+            </a:extLst>
+          </p:cNvPr>
+          <p:cNvSpPr>
+            <a:spLocks noGrp="1"/>
+          </p:cNvSpPr>
+          <p:nvPr>
+            <p:ph type="title"/>
+          </p:nvPr>
+        </p:nvSpPr>
+        <p:spPr/>
+        <p:txBody>
+          <a:bodyPr/>
+          <a:lstStyle/>
+          <a:p>
+            <a:r>
+              <a:rPr lang="en-US" dirty="0"/>
+              <a:t>Double Pendulum </a:t>
+            </a:r>
+          </a:p>
+        </p:txBody>
+      </p:sp>
+      <p:sp>
+        <p:nvSpPr>
+          <p:cNvPr id="3" name="Content Placeholder 2">
+            <a:extLst>
+              <a:ext uri="{FF2B5EF4-FFF2-40B4-BE49-F238E27FC236}">
+                <a16:creationId xmlns:a16="http://schemas.microsoft.com/office/drawing/2014/main" id="{D4729EEA-DB7B-5942-A225-11242573E43E}"/>
+              </a:ext>
+            </a:extLst>
+          </p:cNvPr>
+          <p:cNvSpPr>
+            <a:spLocks noGrp="1"/>
+          </p:cNvSpPr>
+          <p:nvPr>
+            <p:ph idx="1"/>
+          </p:nvPr>
+        </p:nvSpPr>
+        <p:spPr/>
+        <p:txBody>
+          <a:bodyPr/>
+          <a:lstStyle/>
+          <a:p>
+            <a:r>
+              <a:rPr lang="en-US" dirty="0"/>
+              <a:t>Coordinate aware</a:t>
+            </a:r>
+          </a:p>
+        </p:txBody>
+      </p:sp>
+    </p:spTree>
+    <p:extLst>
+      <p:ext uri="{BB962C8B-B14F-4D97-AF65-F5344CB8AC3E}">
+        <p14:creationId xmlns:p14="http://schemas.microsoft.com/office/powerpoint/2010/main" val="2705744300"/>
+      </p:ext>
+    </p:extLst>
+  </p:cSld>
+  <p:clrMapOvr>
+    <a:masterClrMapping/>
+  </p:clrMapOvr>
+</p:sld>
+</file>
+
+<file path=ppt/slides/slide11.xml><?xml version="1.0" encoding="utf-8"?>
+<p:sld xmlns:a="http://schemas.openxmlformats.org/drawingml/2006/main" xmlns:r="http://schemas.openxmlformats.org/officeDocument/2006/relationships" xmlns:p="http://schemas.openxmlformats.org/presentationml/2006/main">
+  <p:cSld>
+    <p:spTree>
+      <p:nvGrpSpPr>
+        <p:cNvPr id="1" name=""/>
+        <p:cNvGrpSpPr/>
+        <p:nvPr/>
+      </p:nvGrpSpPr>
+      <p:grpSpPr>
+        <a:xfrm>
+          <a:off x="0" y="0"/>
+          <a:ext cx="0" cy="0"/>
+          <a:chOff x="0" y="0"/>
+          <a:chExt cx="0" cy="0"/>
+        </a:xfrm>
+      </p:grpSpPr>
+      <p:sp>
+        <p:nvSpPr>
+          <p:cNvPr id="2" name="Title 1">
+            <a:extLst>
+              <a:ext uri="{FF2B5EF4-FFF2-40B4-BE49-F238E27FC236}">
+                <a16:creationId xmlns:a16="http://schemas.microsoft.com/office/drawing/2014/main" id="{CFE8BCF8-7BAE-714F-B920-2C6354E0DF66}"/>
+              </a:ext>
+            </a:extLst>
+          </p:cNvPr>
+          <p:cNvSpPr>
+            <a:spLocks noGrp="1"/>
+          </p:cNvSpPr>
+          <p:nvPr>
+            <p:ph type="title"/>
+          </p:nvPr>
+        </p:nvSpPr>
+        <p:spPr/>
+        <p:txBody>
+          <a:bodyPr/>
+          <a:lstStyle/>
+          <a:p>
+            <a:endParaRPr lang="en-US"/>
+          </a:p>
+        </p:txBody>
+      </p:sp>
+      <p:sp>
+        <p:nvSpPr>
+          <p:cNvPr id="3" name="Content Placeholder 2">
+            <a:extLst>
+              <a:ext uri="{FF2B5EF4-FFF2-40B4-BE49-F238E27FC236}">
+                <a16:creationId xmlns:a16="http://schemas.microsoft.com/office/drawing/2014/main" id="{8F948245-BFB1-0047-93E7-02EAF48293C2}"/>
+              </a:ext>
+            </a:extLst>
+          </p:cNvPr>
+          <p:cNvSpPr>
+            <a:spLocks noGrp="1"/>
+          </p:cNvSpPr>
+          <p:nvPr>
+            <p:ph idx="1"/>
+          </p:nvPr>
+        </p:nvSpPr>
+        <p:spPr/>
+        <p:txBody>
+          <a:bodyPr/>
+          <a:lstStyle/>
+          <a:p>
+            <a:endParaRPr lang="en-US"/>
+          </a:p>
+        </p:txBody>
+      </p:sp>
+    </p:spTree>
+    <p:extLst>
+      <p:ext uri="{BB962C8B-B14F-4D97-AF65-F5344CB8AC3E}">
+        <p14:creationId xmlns:p14="http://schemas.microsoft.com/office/powerpoint/2010/main" val="3652037321"/>
+      </p:ext>
+    </p:extLst>
+  </p:cSld>
+  <p:clrMapOvr>
+    <a:masterClrMapping/>
+  </p:clrMapOvr>
+</p:sld>
+</file>
+
 <file path=ppt/slides/slide2.xml><?xml version="1.0" encoding="utf-8"?>
 <p:sld xmlns:a="http://schemas.openxmlformats.org/drawingml/2006/main" xmlns:r="http://schemas.openxmlformats.org/officeDocument/2006/relationships" xmlns:p="http://schemas.openxmlformats.org/presentationml/2006/main">
   <p:cSld>

--- a/experiments.pptx
+++ b/experiments.pptx
@@ -15,7 +15,8 @@
     <p:sldId id="262" r:id="rId9"/>
     <p:sldId id="264" r:id="rId10"/>
     <p:sldId id="265" r:id="rId11"/>
-    <p:sldId id="266" r:id="rId12"/>
+    <p:sldId id="267" r:id="rId12"/>
+    <p:sldId id="266" r:id="rId13"/>
   </p:sldIdLst>
   <p:sldSz cx="12192000" cy="6858000"/>
   <p:notesSz cx="6858000" cy="9144000"/>
@@ -269,7 +270,7 @@
           <a:p>
             <a:fld id="{BBE4E38B-8CFA-5C49-8BAF-3B91BEC869A8}" type="datetimeFigureOut">
               <a:rPr lang="en-US" smtClean="0"/>
-              <a:t>9/28/20</a:t>
+              <a:t>9/30/20</a:t>
             </a:fld>
             <a:endParaRPr lang="en-US"/>
           </a:p>
@@ -467,7 +468,7 @@
           <a:p>
             <a:fld id="{BBE4E38B-8CFA-5C49-8BAF-3B91BEC869A8}" type="datetimeFigureOut">
               <a:rPr lang="en-US" smtClean="0"/>
-              <a:t>9/28/20</a:t>
+              <a:t>9/30/20</a:t>
             </a:fld>
             <a:endParaRPr lang="en-US"/>
           </a:p>
@@ -675,7 +676,7 @@
           <a:p>
             <a:fld id="{BBE4E38B-8CFA-5C49-8BAF-3B91BEC869A8}" type="datetimeFigureOut">
               <a:rPr lang="en-US" smtClean="0"/>
-              <a:t>9/28/20</a:t>
+              <a:t>9/30/20</a:t>
             </a:fld>
             <a:endParaRPr lang="en-US"/>
           </a:p>
@@ -873,7 +874,7 @@
           <a:p>
             <a:fld id="{BBE4E38B-8CFA-5C49-8BAF-3B91BEC869A8}" type="datetimeFigureOut">
               <a:rPr lang="en-US" smtClean="0"/>
-              <a:t>9/28/20</a:t>
+              <a:t>9/30/20</a:t>
             </a:fld>
             <a:endParaRPr lang="en-US"/>
           </a:p>
@@ -1148,7 +1149,7 @@
           <a:p>
             <a:fld id="{BBE4E38B-8CFA-5C49-8BAF-3B91BEC869A8}" type="datetimeFigureOut">
               <a:rPr lang="en-US" smtClean="0"/>
-              <a:t>9/28/20</a:t>
+              <a:t>9/30/20</a:t>
             </a:fld>
             <a:endParaRPr lang="en-US"/>
           </a:p>
@@ -1413,7 +1414,7 @@
           <a:p>
             <a:fld id="{BBE4E38B-8CFA-5C49-8BAF-3B91BEC869A8}" type="datetimeFigureOut">
               <a:rPr lang="en-US" smtClean="0"/>
-              <a:t>9/28/20</a:t>
+              <a:t>9/30/20</a:t>
             </a:fld>
             <a:endParaRPr lang="en-US"/>
           </a:p>
@@ -1825,7 +1826,7 @@
           <a:p>
             <a:fld id="{BBE4E38B-8CFA-5C49-8BAF-3B91BEC869A8}" type="datetimeFigureOut">
               <a:rPr lang="en-US" smtClean="0"/>
-              <a:t>9/28/20</a:t>
+              <a:t>9/30/20</a:t>
             </a:fld>
             <a:endParaRPr lang="en-US"/>
           </a:p>
@@ -1966,7 +1967,7 @@
           <a:p>
             <a:fld id="{BBE4E38B-8CFA-5C49-8BAF-3B91BEC869A8}" type="datetimeFigureOut">
               <a:rPr lang="en-US" smtClean="0"/>
-              <a:t>9/28/20</a:t>
+              <a:t>9/30/20</a:t>
             </a:fld>
             <a:endParaRPr lang="en-US"/>
           </a:p>
@@ -2079,7 +2080,7 @@
           <a:p>
             <a:fld id="{BBE4E38B-8CFA-5C49-8BAF-3B91BEC869A8}" type="datetimeFigureOut">
               <a:rPr lang="en-US" smtClean="0"/>
-              <a:t>9/28/20</a:t>
+              <a:t>9/30/20</a:t>
             </a:fld>
             <a:endParaRPr lang="en-US"/>
           </a:p>
@@ -2390,7 +2391,7 @@
           <a:p>
             <a:fld id="{BBE4E38B-8CFA-5C49-8BAF-3B91BEC869A8}" type="datetimeFigureOut">
               <a:rPr lang="en-US" smtClean="0"/>
-              <a:t>9/28/20</a:t>
+              <a:t>9/30/20</a:t>
             </a:fld>
             <a:endParaRPr lang="en-US"/>
           </a:p>
@@ -2678,7 +2679,7 @@
           <a:p>
             <a:fld id="{BBE4E38B-8CFA-5C49-8BAF-3B91BEC869A8}" type="datetimeFigureOut">
               <a:rPr lang="en-US" smtClean="0"/>
-              <a:t>9/28/20</a:t>
+              <a:t>9/30/20</a:t>
             </a:fld>
             <a:endParaRPr lang="en-US"/>
           </a:p>
@@ -2919,7 +2920,7 @@
           <a:p>
             <a:fld id="{BBE4E38B-8CFA-5C49-8BAF-3B91BEC869A8}" type="datetimeFigureOut">
               <a:rPr lang="en-US" smtClean="0"/>
-              <a:t>9/28/20</a:t>
+              <a:t>9/30/20</a:t>
             </a:fld>
             <a:endParaRPr lang="en-US"/>
           </a:p>
@@ -3508,6 +3509,201 @@
           <a:chExt cx="0" cy="0"/>
         </a:xfrm>
       </p:grpSpPr>
+      <p:cxnSp>
+        <p:nvCxnSpPr>
+          <p:cNvPr id="72" name="Straight Connector 71">
+            <a:extLst>
+              <a:ext uri="{FF2B5EF4-FFF2-40B4-BE49-F238E27FC236}">
+                <a16:creationId xmlns:a16="http://schemas.microsoft.com/office/drawing/2014/main" id="{5D7010F2-5000-394B-83E3-9640A36D2C02}"/>
+              </a:ext>
+            </a:extLst>
+          </p:cNvPr>
+          <p:cNvCxnSpPr/>
+          <p:nvPr/>
+        </p:nvCxnSpPr>
+        <p:spPr>
+          <a:xfrm flipH="1">
+            <a:off x="1092530" y="2185060"/>
+            <a:ext cx="380010" cy="605641"/>
+          </a:xfrm>
+          <a:prstGeom prst="line">
+            <a:avLst/>
+          </a:prstGeom>
+        </p:spPr>
+        <p:style>
+          <a:lnRef idx="1">
+            <a:schemeClr val="accent1"/>
+          </a:lnRef>
+          <a:fillRef idx="0">
+            <a:schemeClr val="accent1"/>
+          </a:fillRef>
+          <a:effectRef idx="0">
+            <a:schemeClr val="accent1"/>
+          </a:effectRef>
+          <a:fontRef idx="minor">
+            <a:schemeClr val="tx1"/>
+          </a:fontRef>
+        </p:style>
+      </p:cxnSp>
+      <p:sp>
+        <p:nvSpPr>
+          <p:cNvPr id="73" name="Oval 72">
+            <a:extLst>
+              <a:ext uri="{FF2B5EF4-FFF2-40B4-BE49-F238E27FC236}">
+                <a16:creationId xmlns:a16="http://schemas.microsoft.com/office/drawing/2014/main" id="{1157484C-7183-9A4D-9B74-D040D1C134DF}"/>
+              </a:ext>
+            </a:extLst>
+          </p:cNvPr>
+          <p:cNvSpPr/>
+          <p:nvPr/>
+        </p:nvSpPr>
+        <p:spPr>
+          <a:xfrm>
+            <a:off x="902525" y="2731325"/>
+            <a:ext cx="273132" cy="261257"/>
+          </a:xfrm>
+          <a:prstGeom prst="ellipse">
+            <a:avLst/>
+          </a:prstGeom>
+        </p:spPr>
+        <p:style>
+          <a:lnRef idx="2">
+            <a:schemeClr val="accent1">
+              <a:shade val="50000"/>
+            </a:schemeClr>
+          </a:lnRef>
+          <a:fillRef idx="1">
+            <a:schemeClr val="accent1"/>
+          </a:fillRef>
+          <a:effectRef idx="0">
+            <a:schemeClr val="accent1"/>
+          </a:effectRef>
+          <a:fontRef idx="minor">
+            <a:schemeClr val="lt1"/>
+          </a:fontRef>
+        </p:style>
+        <p:txBody>
+          <a:bodyPr rtlCol="0" anchor="ctr"/>
+          <a:lstStyle/>
+          <a:p>
+            <a:pPr algn="ctr"/>
+            <a:endParaRPr lang="en-US"/>
+          </a:p>
+        </p:txBody>
+      </p:sp>
+      <p:sp>
+        <p:nvSpPr>
+          <p:cNvPr id="74" name="Rectangle 73">
+            <a:extLst>
+              <a:ext uri="{FF2B5EF4-FFF2-40B4-BE49-F238E27FC236}">
+                <a16:creationId xmlns:a16="http://schemas.microsoft.com/office/drawing/2014/main" id="{92811606-74A5-0F48-BADB-5928C0825EAB}"/>
+              </a:ext>
+            </a:extLst>
+          </p:cNvPr>
+          <p:cNvSpPr/>
+          <p:nvPr/>
+        </p:nvSpPr>
+        <p:spPr>
+          <a:xfrm>
+            <a:off x="641268" y="2018805"/>
+            <a:ext cx="1140031" cy="1258785"/>
+          </a:xfrm>
+          <a:prstGeom prst="rect">
+            <a:avLst/>
+          </a:prstGeom>
+          <a:noFill/>
+        </p:spPr>
+        <p:style>
+          <a:lnRef idx="2">
+            <a:schemeClr val="accent1">
+              <a:shade val="50000"/>
+            </a:schemeClr>
+          </a:lnRef>
+          <a:fillRef idx="1">
+            <a:schemeClr val="accent1"/>
+          </a:fillRef>
+          <a:effectRef idx="0">
+            <a:schemeClr val="accent1"/>
+          </a:effectRef>
+          <a:fontRef idx="minor">
+            <a:schemeClr val="lt1"/>
+          </a:fontRef>
+        </p:style>
+        <p:txBody>
+          <a:bodyPr rtlCol="0" anchor="ctr"/>
+          <a:lstStyle/>
+          <a:p>
+            <a:pPr algn="ctr"/>
+            <a:endParaRPr lang="en-US"/>
+          </a:p>
+        </p:txBody>
+      </p:sp>
+      <p:sp>
+        <p:nvSpPr>
+          <p:cNvPr id="75" name="TextBox 74">
+            <a:extLst>
+              <a:ext uri="{FF2B5EF4-FFF2-40B4-BE49-F238E27FC236}">
+                <a16:creationId xmlns:a16="http://schemas.microsoft.com/office/drawing/2014/main" id="{DBFBFD3F-CF85-7244-829B-BEF95D100DA1}"/>
+              </a:ext>
+            </a:extLst>
+          </p:cNvPr>
+          <p:cNvSpPr txBox="1"/>
+          <p:nvPr/>
+        </p:nvSpPr>
+        <p:spPr>
+          <a:xfrm>
+            <a:off x="388978" y="1073198"/>
+            <a:ext cx="1617952" cy="1200329"/>
+          </a:xfrm>
+          <a:prstGeom prst="rect">
+            <a:avLst/>
+          </a:prstGeom>
+          <a:noFill/>
+        </p:spPr>
+        <p:txBody>
+          <a:bodyPr wrap="square" rtlCol="0">
+            <a:spAutoFit/>
+          </a:bodyPr>
+          <a:lstStyle/>
+          <a:p>
+            <a:pPr algn="ctr"/>
+            <a:r>
+              <a:rPr lang="en-US" dirty="0"/>
+              <a:t>Physics simulator with RK(5)4 integrator</a:t>
+            </a:r>
+          </a:p>
+        </p:txBody>
+      </p:sp>
+    </p:spTree>
+    <p:extLst>
+      <p:ext uri="{BB962C8B-B14F-4D97-AF65-F5344CB8AC3E}">
+        <p14:creationId xmlns:p14="http://schemas.microsoft.com/office/powerpoint/2010/main" val="742102434"/>
+      </p:ext>
+    </p:extLst>
+  </p:cSld>
+  <p:clrMapOvr>
+    <a:masterClrMapping/>
+  </p:clrMapOvr>
+</p:sld>
+</file>
+
+<file path=ppt/slides/slide12.xml><?xml version="1.0" encoding="utf-8"?>
+<p:sld xmlns:a="http://schemas.openxmlformats.org/drawingml/2006/main" xmlns:r="http://schemas.openxmlformats.org/officeDocument/2006/relationships" xmlns:p="http://schemas.openxmlformats.org/presentationml/2006/main">
+  <p:cSld>
+    <p:spTree>
+      <p:nvGrpSpPr>
+        <p:cNvPr id="1" name=""/>
+        <p:cNvGrpSpPr/>
+        <p:nvPr/>
+      </p:nvGrpSpPr>
+      <p:grpSpPr>
+        <a:xfrm>
+          <a:off x="0" y="0"/>
+          <a:ext cx="0" cy="0"/>
+          <a:chOff x="0" y="0"/>
+          <a:chExt cx="0" cy="0"/>
+        </a:xfrm>
+      </p:grpSpPr>
       <p:sp>
         <p:nvSpPr>
           <p:cNvPr id="2" name="Title 1">

--- a/experiments.pptx
+++ b/experiments.pptx
@@ -17,6 +17,7 @@
     <p:sldId id="265" r:id="rId11"/>
     <p:sldId id="267" r:id="rId12"/>
     <p:sldId id="266" r:id="rId13"/>
+    <p:sldId id="268" r:id="rId14"/>
   </p:sldIdLst>
   <p:sldSz cx="12192000" cy="6858000"/>
   <p:notesSz cx="6858000" cy="9144000"/>
@@ -270,7 +271,7 @@
           <a:p>
             <a:fld id="{BBE4E38B-8CFA-5C49-8BAF-3B91BEC869A8}" type="datetimeFigureOut">
               <a:rPr lang="en-US" smtClean="0"/>
-              <a:t>9/30/20</a:t>
+              <a:t>10/12/20</a:t>
             </a:fld>
             <a:endParaRPr lang="en-US"/>
           </a:p>
@@ -468,7 +469,7 @@
           <a:p>
             <a:fld id="{BBE4E38B-8CFA-5C49-8BAF-3B91BEC869A8}" type="datetimeFigureOut">
               <a:rPr lang="en-US" smtClean="0"/>
-              <a:t>9/30/20</a:t>
+              <a:t>10/12/20</a:t>
             </a:fld>
             <a:endParaRPr lang="en-US"/>
           </a:p>
@@ -676,7 +677,7 @@
           <a:p>
             <a:fld id="{BBE4E38B-8CFA-5C49-8BAF-3B91BEC869A8}" type="datetimeFigureOut">
               <a:rPr lang="en-US" smtClean="0"/>
-              <a:t>9/30/20</a:t>
+              <a:t>10/12/20</a:t>
             </a:fld>
             <a:endParaRPr lang="en-US"/>
           </a:p>
@@ -874,7 +875,7 @@
           <a:p>
             <a:fld id="{BBE4E38B-8CFA-5C49-8BAF-3B91BEC869A8}" type="datetimeFigureOut">
               <a:rPr lang="en-US" smtClean="0"/>
-              <a:t>9/30/20</a:t>
+              <a:t>10/12/20</a:t>
             </a:fld>
             <a:endParaRPr lang="en-US"/>
           </a:p>
@@ -1149,7 +1150,7 @@
           <a:p>
             <a:fld id="{BBE4E38B-8CFA-5C49-8BAF-3B91BEC869A8}" type="datetimeFigureOut">
               <a:rPr lang="en-US" smtClean="0"/>
-              <a:t>9/30/20</a:t>
+              <a:t>10/12/20</a:t>
             </a:fld>
             <a:endParaRPr lang="en-US"/>
           </a:p>
@@ -1414,7 +1415,7 @@
           <a:p>
             <a:fld id="{BBE4E38B-8CFA-5C49-8BAF-3B91BEC869A8}" type="datetimeFigureOut">
               <a:rPr lang="en-US" smtClean="0"/>
-              <a:t>9/30/20</a:t>
+              <a:t>10/12/20</a:t>
             </a:fld>
             <a:endParaRPr lang="en-US"/>
           </a:p>
@@ -1826,7 +1827,7 @@
           <a:p>
             <a:fld id="{BBE4E38B-8CFA-5C49-8BAF-3B91BEC869A8}" type="datetimeFigureOut">
               <a:rPr lang="en-US" smtClean="0"/>
-              <a:t>9/30/20</a:t>
+              <a:t>10/12/20</a:t>
             </a:fld>
             <a:endParaRPr lang="en-US"/>
           </a:p>
@@ -1967,7 +1968,7 @@
           <a:p>
             <a:fld id="{BBE4E38B-8CFA-5C49-8BAF-3B91BEC869A8}" type="datetimeFigureOut">
               <a:rPr lang="en-US" smtClean="0"/>
-              <a:t>9/30/20</a:t>
+              <a:t>10/12/20</a:t>
             </a:fld>
             <a:endParaRPr lang="en-US"/>
           </a:p>
@@ -2080,7 +2081,7 @@
           <a:p>
             <a:fld id="{BBE4E38B-8CFA-5C49-8BAF-3B91BEC869A8}" type="datetimeFigureOut">
               <a:rPr lang="en-US" smtClean="0"/>
-              <a:t>9/30/20</a:t>
+              <a:t>10/12/20</a:t>
             </a:fld>
             <a:endParaRPr lang="en-US"/>
           </a:p>
@@ -2391,7 +2392,7 @@
           <a:p>
             <a:fld id="{BBE4E38B-8CFA-5C49-8BAF-3B91BEC869A8}" type="datetimeFigureOut">
               <a:rPr lang="en-US" smtClean="0"/>
-              <a:t>9/30/20</a:t>
+              <a:t>10/12/20</a:t>
             </a:fld>
             <a:endParaRPr lang="en-US"/>
           </a:p>
@@ -2679,7 +2680,7 @@
           <a:p>
             <a:fld id="{BBE4E38B-8CFA-5C49-8BAF-3B91BEC869A8}" type="datetimeFigureOut">
               <a:rPr lang="en-US" smtClean="0"/>
-              <a:t>9/30/20</a:t>
+              <a:t>10/12/20</a:t>
             </a:fld>
             <a:endParaRPr lang="en-US"/>
           </a:p>
@@ -2920,7 +2921,7 @@
           <a:p>
             <a:fld id="{BBE4E38B-8CFA-5C49-8BAF-3B91BEC869A8}" type="datetimeFigureOut">
               <a:rPr lang="en-US" smtClean="0"/>
-              <a:t>9/30/20</a:t>
+              <a:t>10/12/20</a:t>
             </a:fld>
             <a:endParaRPr lang="en-US"/>
           </a:p>
@@ -3725,7 +3726,10 @@
           <a:bodyPr/>
           <a:lstStyle/>
           <a:p>
-            <a:endParaRPr lang="en-US"/>
+            <a:r>
+              <a:rPr lang="en-US" dirty="0"/>
+              <a:t>Time dependent systems</a:t>
+            </a:r>
           </a:p>
         </p:txBody>
       </p:sp>
@@ -3747,10 +3751,149 @@
         </p:nvSpPr>
         <p:spPr/>
         <p:txBody>
-          <a:bodyPr/>
-          <a:lstStyle/>
-          <a:p>
-            <a:endParaRPr lang="en-US"/>
+          <a:bodyPr>
+            <a:normAutofit fontScale="92500" lnSpcReduction="20000"/>
+          </a:bodyPr>
+          <a:lstStyle/>
+          <a:p>
+            <a:r>
+              <a:rPr lang="en-GB" dirty="0"/>
+              <a:t>Current Review:</a:t>
+            </a:r>
+          </a:p>
+          <a:p>
+            <a:r>
+              <a:rPr lang="en-GB" dirty="0"/>
+              <a:t>We saw that once we include time, HNN struggles to conserve energy</a:t>
+            </a:r>
+          </a:p>
+          <a:p>
+            <a:pPr lvl="1"/>
+            <a:r>
+              <a:rPr lang="en-GB" dirty="0"/>
+              <a:t>Therefore we need dh/</a:t>
+            </a:r>
+            <a:r>
+              <a:rPr lang="en-GB" dirty="0" err="1"/>
+              <a:t>dt</a:t>
+            </a:r>
+            <a:endParaRPr lang="en-GB" dirty="0"/>
+          </a:p>
+          <a:p>
+            <a:pPr lvl="1"/>
+            <a:r>
+              <a:rPr lang="en-GB" dirty="0"/>
+              <a:t>Which explains why we saw better performance with the term</a:t>
+            </a:r>
+          </a:p>
+          <a:p>
+            <a:r>
+              <a:rPr lang="en-GB" dirty="0"/>
+              <a:t>However, compared to the above, </a:t>
+            </a:r>
+            <a:r>
+              <a:rPr lang="en-GB" dirty="0" err="1"/>
+              <a:t>hnn</a:t>
+            </a:r>
+            <a:r>
+              <a:rPr lang="en-GB" dirty="0"/>
+              <a:t> alone without t does much better</a:t>
+            </a:r>
+          </a:p>
+          <a:p>
+            <a:pPr lvl="1"/>
+            <a:r>
+              <a:rPr lang="en-GB" dirty="0"/>
+              <a:t>Even after hyperparameter tuning </a:t>
+            </a:r>
+          </a:p>
+          <a:p>
+            <a:r>
+              <a:rPr lang="en-GB" dirty="0"/>
+              <a:t>I then tested HNN with a forced pendulum</a:t>
+            </a:r>
+          </a:p>
+          <a:p>
+            <a:pPr lvl="1"/>
+            <a:r>
+              <a:rPr lang="en-GB" dirty="0"/>
+              <a:t>Results look promising</a:t>
+            </a:r>
+          </a:p>
+          <a:p>
+            <a:pPr lvl="1"/>
+            <a:r>
+              <a:rPr lang="en-GB" dirty="0"/>
+              <a:t>But just not there</a:t>
+            </a:r>
+          </a:p>
+          <a:p>
+            <a:r>
+              <a:rPr lang="en-GB" dirty="0"/>
+              <a:t>H = 1/2 kq^2 + ½ p^2/m + </a:t>
+            </a:r>
+            <a:r>
+              <a:rPr lang="en-GB" dirty="0" err="1"/>
+              <a:t>qF</a:t>
+            </a:r>
+            <a:r>
+              <a:rPr lang="en-GB" dirty="0"/>
+              <a:t>(cos(</a:t>
+            </a:r>
+            <a:r>
+              <a:rPr lang="en-GB" dirty="0" err="1"/>
+              <a:t>wt</a:t>
+            </a:r>
+            <a:r>
+              <a:rPr lang="en-GB" dirty="0"/>
+              <a:t>))</a:t>
+            </a:r>
+          </a:p>
+          <a:p>
+            <a:r>
+              <a:rPr lang="en-GB" dirty="0" err="1"/>
+              <a:t>dH</a:t>
+            </a:r>
+            <a:r>
+              <a:rPr lang="en-GB" dirty="0"/>
+              <a:t>/</a:t>
+            </a:r>
+            <a:r>
+              <a:rPr lang="en-GB" dirty="0" err="1"/>
+              <a:t>dq</a:t>
+            </a:r>
+            <a:r>
+              <a:rPr lang="en-GB" dirty="0"/>
+              <a:t> = </a:t>
+            </a:r>
+            <a:r>
+              <a:rPr lang="en-GB" dirty="0" err="1"/>
+              <a:t>pdot</a:t>
+            </a:r>
+            <a:r>
+              <a:rPr lang="en-GB" dirty="0"/>
+              <a:t> = </a:t>
+            </a:r>
+            <a:r>
+              <a:rPr lang="en-GB" dirty="0" err="1"/>
+              <a:t>qddot</a:t>
+            </a:r>
+            <a:r>
+              <a:rPr lang="en-GB" dirty="0"/>
+              <a:t> = -q – F(cos(</a:t>
+            </a:r>
+            <a:r>
+              <a:rPr lang="en-GB" dirty="0" err="1"/>
+              <a:t>wt</a:t>
+            </a:r>
+            <a:r>
+              <a:rPr lang="en-GB" dirty="0"/>
+              <a:t>)) + (damping)</a:t>
+            </a:r>
+            <a:br>
+              <a:rPr lang="en-GB" dirty="0"/>
+            </a:br>
+            <a:endParaRPr lang="en-GB" dirty="0"/>
           </a:p>
         </p:txBody>
       </p:sp>
@@ -3758,6 +3901,199 @@
     <p:extLst>
       <p:ext uri="{BB962C8B-B14F-4D97-AF65-F5344CB8AC3E}">
         <p14:creationId xmlns:p14="http://schemas.microsoft.com/office/powerpoint/2010/main" val="3652037321"/>
+      </p:ext>
+    </p:extLst>
+  </p:cSld>
+  <p:clrMapOvr>
+    <a:masterClrMapping/>
+  </p:clrMapOvr>
+</p:sld>
+</file>
+
+<file path=ppt/slides/slide13.xml><?xml version="1.0" encoding="utf-8"?>
+<p:sld xmlns:a="http://schemas.openxmlformats.org/drawingml/2006/main" xmlns:r="http://schemas.openxmlformats.org/officeDocument/2006/relationships" xmlns:p="http://schemas.openxmlformats.org/presentationml/2006/main">
+  <p:cSld>
+    <p:spTree>
+      <p:nvGrpSpPr>
+        <p:cNvPr id="1" name=""/>
+        <p:cNvGrpSpPr/>
+        <p:nvPr/>
+      </p:nvGrpSpPr>
+      <p:grpSpPr>
+        <a:xfrm>
+          <a:off x="0" y="0"/>
+          <a:ext cx="0" cy="0"/>
+          <a:chOff x="0" y="0"/>
+          <a:chExt cx="0" cy="0"/>
+        </a:xfrm>
+      </p:grpSpPr>
+      <p:sp>
+        <p:nvSpPr>
+          <p:cNvPr id="2" name="Title 1">
+            <a:extLst>
+              <a:ext uri="{FF2B5EF4-FFF2-40B4-BE49-F238E27FC236}">
+                <a16:creationId xmlns:a16="http://schemas.microsoft.com/office/drawing/2014/main" id="{CFE8BCF8-7BAE-714F-B920-2C6354E0DF66}"/>
+              </a:ext>
+            </a:extLst>
+          </p:cNvPr>
+          <p:cNvSpPr>
+            <a:spLocks noGrp="1"/>
+          </p:cNvSpPr>
+          <p:nvPr>
+            <p:ph type="title"/>
+          </p:nvPr>
+        </p:nvSpPr>
+        <p:spPr/>
+        <p:txBody>
+          <a:bodyPr/>
+          <a:lstStyle/>
+          <a:p>
+            <a:r>
+              <a:rPr lang="en-US" dirty="0"/>
+              <a:t>Time dependent systems</a:t>
+            </a:r>
+          </a:p>
+        </p:txBody>
+      </p:sp>
+      <p:sp>
+        <p:nvSpPr>
+          <p:cNvPr id="3" name="Content Placeholder 2">
+            <a:extLst>
+              <a:ext uri="{FF2B5EF4-FFF2-40B4-BE49-F238E27FC236}">
+                <a16:creationId xmlns:a16="http://schemas.microsoft.com/office/drawing/2014/main" id="{8F948245-BFB1-0047-93E7-02EAF48293C2}"/>
+              </a:ext>
+            </a:extLst>
+          </p:cNvPr>
+          <p:cNvSpPr>
+            <a:spLocks noGrp="1"/>
+          </p:cNvSpPr>
+          <p:nvPr>
+            <p:ph idx="1"/>
+          </p:nvPr>
+        </p:nvSpPr>
+        <p:spPr/>
+        <p:txBody>
+          <a:bodyPr>
+            <a:normAutofit fontScale="62500" lnSpcReduction="20000"/>
+          </a:bodyPr>
+          <a:lstStyle/>
+          <a:p>
+            <a:br>
+              <a:rPr lang="en-GB" dirty="0"/>
+            </a:br>
+            <a:endParaRPr lang="en-GB" dirty="0"/>
+          </a:p>
+          <a:p>
+            <a:r>
+              <a:rPr lang="en-GB" dirty="0"/>
+              <a:t>Run experiment with only 1 training point</a:t>
+            </a:r>
+          </a:p>
+          <a:p>
+            <a:pPr lvl="1"/>
+            <a:r>
+              <a:rPr lang="en-GB" dirty="0"/>
+              <a:t>Test convergence</a:t>
+            </a:r>
+          </a:p>
+          <a:p>
+            <a:pPr lvl="2"/>
+            <a:r>
+              <a:rPr lang="en-GB" dirty="0"/>
+              <a:t>Notice that additional hidden layer does help when only 1 trajectory is provided</a:t>
+            </a:r>
+          </a:p>
+          <a:p>
+            <a:pPr lvl="2"/>
+            <a:r>
+              <a:rPr lang="en-GB" dirty="0"/>
+              <a:t>When more training points are added, training not improving</a:t>
+            </a:r>
+          </a:p>
+          <a:p>
+            <a:pPr lvl="2"/>
+            <a:r>
+              <a:rPr lang="en-GB" dirty="0"/>
+              <a:t>Also notice learning is highly sensitive to the amplitude of forcing?</a:t>
+            </a:r>
+          </a:p>
+          <a:p>
+            <a:r>
+              <a:rPr lang="en-GB" dirty="0"/>
+              <a:t>Run experiment where we use mass-spring system</a:t>
+            </a:r>
+          </a:p>
+          <a:p>
+            <a:pPr lvl="1"/>
+            <a:r>
+              <a:rPr lang="en-GB" dirty="0"/>
+              <a:t>Noticing similar behaviour with angular data that we had with the double pendulum</a:t>
+            </a:r>
+          </a:p>
+          <a:p>
+            <a:pPr lvl="1"/>
+            <a:r>
+              <a:rPr lang="en-GB" dirty="0"/>
+              <a:t>Notice that if we do use mass-spring systems with forcing then we get good results</a:t>
+            </a:r>
+          </a:p>
+          <a:p>
+            <a:pPr lvl="1"/>
+            <a:r>
+              <a:rPr lang="en-GB" dirty="0"/>
+              <a:t>The only papers which propose tackling angular data involve directly embedding/enforcing S1 manifold</a:t>
+            </a:r>
+          </a:p>
+          <a:p>
+            <a:pPr lvl="2"/>
+            <a:r>
+              <a:rPr lang="en-GB" dirty="0"/>
+              <a:t>VIN paper</a:t>
+            </a:r>
+          </a:p>
+          <a:p>
+            <a:pPr lvl="2"/>
+            <a:r>
+              <a:rPr lang="en-GB" dirty="0" err="1"/>
+              <a:t>Symp</a:t>
+            </a:r>
+            <a:r>
+              <a:rPr lang="en-GB" dirty="0"/>
+              <a:t> ODEN</a:t>
+            </a:r>
+          </a:p>
+          <a:p>
+            <a:pPr lvl="1"/>
+            <a:r>
+              <a:rPr lang="en-GB" dirty="0"/>
+              <a:t>Mass-spring with damping and forcing – needs testing</a:t>
+            </a:r>
+          </a:p>
+          <a:p>
+            <a:r>
+              <a:rPr lang="en-GB" dirty="0"/>
+              <a:t>High frequency oscillations are much harder to learn</a:t>
+            </a:r>
+          </a:p>
+          <a:p>
+            <a:r>
+              <a:rPr lang="en-GB" dirty="0"/>
+              <a:t>Issue with learning damping</a:t>
+            </a:r>
+            <a:br>
+              <a:rPr lang="en-GB" dirty="0"/>
+            </a:br>
+            <a:endParaRPr lang="en-GB" dirty="0"/>
+          </a:p>
+          <a:p>
+            <a:endParaRPr lang="en-US" dirty="0"/>
+          </a:p>
+        </p:txBody>
+      </p:sp>
+    </p:spTree>
+    <p:extLst>
+      <p:ext uri="{BB962C8B-B14F-4D97-AF65-F5344CB8AC3E}">
+        <p14:creationId xmlns:p14="http://schemas.microsoft.com/office/powerpoint/2010/main" val="271255982"/>
       </p:ext>
     </p:extLst>
   </p:cSld>
